--- a/Presentations/INT_Group_4_MT_Ex_19_20.pptx
+++ b/Presentations/INT_Group_4_MT_Ex_19_20.pptx
@@ -3496,13 +3496,18 @@
           </a:p>
           <a:p>
             <a:r>
-              <a:rPr lang="en-US" dirty="0">
+              <a:rPr lang="en-US">
                 <a:solidFill>
                   <a:schemeClr val="bg1"/>
                 </a:solidFill>
               </a:rPr>
-              <a:t>Exercise 17 &amp; 18</a:t>
-            </a:r>
+              <a:t>Exercise 19 &amp; 20</a:t>
+            </a:r>
+            <a:endParaRPr lang="en-US" dirty="0">
+              <a:solidFill>
+                <a:schemeClr val="bg1"/>
+              </a:solidFill>
+            </a:endParaRPr>
           </a:p>
         </p:txBody>
       </p:sp>
